--- a/lectures/p-07-omitted-variable-bias.pptx
+++ b/lectures/p-07-omitted-variable-bias.pptx
@@ -236,7 +236,7 @@
           <a:p>
             <a:fld id="{A33972A0-D2DC-4C5E-947C-999AC4BCA557}" type="datetimeFigureOut">
               <a:rPr lang="en-US" smtClean="0"/>
-              <a:t>9/10/2019</a:t>
+              <a:t>2/9/2020</a:t>
             </a:fld>
             <a:endParaRPr lang="en-US"/>
           </a:p>
@@ -401,7 +401,7 @@
           <a:p>
             <a:fld id="{FF03C39A-337C-43B7-983D-83172343289F}" type="datetimeFigureOut">
               <a:rPr lang="en-US" smtClean="0"/>
-              <a:t>9/10/2019</a:t>
+              <a:t>2/9/2020</a:t>
             </a:fld>
             <a:endParaRPr lang="en-US"/>
           </a:p>
@@ -847,7 +847,7 @@
           <a:p>
             <a:fld id="{2C788286-6892-4692-AC52-70E73709BF5D}" type="datetime1">
               <a:rPr lang="en-US" smtClean="0"/>
-              <a:t>9/10/2019</a:t>
+              <a:t>2/9/2020</a:t>
             </a:fld>
             <a:endParaRPr lang="en-US"/>
           </a:p>
@@ -1052,7 +1052,7 @@
           <a:p>
             <a:fld id="{4152C86E-824C-4B9C-BF87-D06EFC64ABDD}" type="datetime1">
               <a:rPr lang="en-US" smtClean="0"/>
-              <a:t>9/10/2019</a:t>
+              <a:t>2/9/2020</a:t>
             </a:fld>
             <a:endParaRPr lang="en-US"/>
           </a:p>
@@ -1267,7 +1267,7 @@
           <a:p>
             <a:fld id="{B659BCAA-A0B3-47C5-ABF8-0E47BD28C2CA}" type="datetime1">
               <a:rPr lang="en-US" smtClean="0"/>
-              <a:t>9/10/2019</a:t>
+              <a:t>2/9/2020</a:t>
             </a:fld>
             <a:endParaRPr lang="en-US"/>
           </a:p>
@@ -1395,7 +1395,7 @@
             <a:fld id="{EE38F263-8F67-4EB6-A377-0FB965046360}" type="datetime1">
               <a:rPr lang="en-US" smtClean="0"/>
               <a:pPr/>
-              <a:t>9/10/2019</a:t>
+              <a:t>2/9/2020</a:t>
             </a:fld>
             <a:endParaRPr lang="en-US"/>
           </a:p>
@@ -1898,7 +1898,7 @@
           <a:p>
             <a:fld id="{ABDDB279-9B8C-424B-9A9B-DF72EEDBF50F}" type="datetime1">
               <a:rPr lang="en-US" smtClean="0"/>
-              <a:t>9/10/2019</a:t>
+              <a:t>2/9/2020</a:t>
             </a:fld>
             <a:endParaRPr lang="en-US"/>
           </a:p>
@@ -2180,7 +2180,7 @@
           <a:p>
             <a:fld id="{8F79BC3A-619E-4F42-8FA5-87D3B7D7E962}" type="datetime1">
               <a:rPr lang="en-US" smtClean="0"/>
-              <a:t>9/10/2019</a:t>
+              <a:t>2/9/2020</a:t>
             </a:fld>
             <a:endParaRPr lang="en-US"/>
           </a:p>
@@ -2502,7 +2502,7 @@
           <a:p>
             <a:fld id="{102FC73B-49CE-4542-9309-879B990B72A7}" type="datetime1">
               <a:rPr lang="en-US" smtClean="0"/>
-              <a:t>9/10/2019</a:t>
+              <a:t>2/9/2020</a:t>
             </a:fld>
             <a:endParaRPr lang="en-US"/>
           </a:p>
@@ -2958,7 +2958,7 @@
           <a:p>
             <a:fld id="{0A2D0F45-D212-4754-9F51-3F736FAC4615}" type="datetime1">
               <a:rPr lang="en-US" smtClean="0"/>
-              <a:t>9/10/2019</a:t>
+              <a:t>2/9/2020</a:t>
             </a:fld>
             <a:endParaRPr lang="en-US"/>
           </a:p>
@@ -3112,7 +3112,7 @@
           <a:p>
             <a:fld id="{4C13EA23-5213-40B9-BB1C-33A7FE682BFF}" type="datetime1">
               <a:rPr lang="en-US" smtClean="0"/>
-              <a:t>9/10/2019</a:t>
+              <a:t>2/9/2020</a:t>
             </a:fld>
             <a:endParaRPr lang="en-US"/>
           </a:p>
@@ -3244,7 +3244,7 @@
           <a:p>
             <a:fld id="{439CA689-3F5A-4B85-9093-A601E22777B8}" type="datetime1">
               <a:rPr lang="en-US" smtClean="0"/>
-              <a:t>9/10/2019</a:t>
+              <a:t>2/9/2020</a:t>
             </a:fld>
             <a:endParaRPr lang="en-US"/>
           </a:p>
@@ -3568,7 +3568,7 @@
           <a:p>
             <a:fld id="{75787089-1A57-4FAF-BA34-70B97E20CEE5}" type="datetime1">
               <a:rPr lang="en-US" smtClean="0"/>
-              <a:t>9/10/2019</a:t>
+              <a:t>2/9/2020</a:t>
             </a:fld>
             <a:endParaRPr lang="en-US"/>
           </a:p>
@@ -3857,7 +3857,7 @@
           <a:p>
             <a:fld id="{9E1E90C7-F1FE-4D5F-AAA3-C2349B32AFE3}" type="datetime1">
               <a:rPr lang="en-US" smtClean="0"/>
-              <a:t>9/10/2019</a:t>
+              <a:t>2/9/2020</a:t>
             </a:fld>
             <a:endParaRPr lang="en-US"/>
           </a:p>
@@ -4105,7 +4105,7 @@
           <a:p>
             <a:fld id="{DB6D3295-5BF5-4E09-87B3-EEF71ECAF0D0}" type="datetime1">
               <a:rPr lang="en-US" smtClean="0"/>
-              <a:t>9/10/2019</a:t>
+              <a:t>2/9/2020</a:t>
             </a:fld>
             <a:endParaRPr lang="en-US"/>
           </a:p>
@@ -4583,6 +4583,18 @@
               </a:rPr>
               <a:t>bias</a:t>
             </a:r>
+            <a:r>
+              <a:rPr lang="en-US" dirty="0">
+                <a:solidFill>
+                  <a:schemeClr val="tx1">
+                    <a:lumMod val="50000"/>
+                    <a:lumOff val="50000"/>
+                  </a:schemeClr>
+                </a:solidFill>
+                <a:cs typeface="Arial" panose="020B0604020202020204" pitchFamily="34" charset="0"/>
+              </a:rPr>
+              <a:t/>
+            </a:r>
             <a:br>
               <a:rPr lang="en-US" dirty="0">
                 <a:solidFill>
@@ -4594,6 +4606,18 @@
                 <a:cs typeface="Arial" panose="020B0604020202020204" pitchFamily="34" charset="0"/>
               </a:rPr>
             </a:br>
+            <a:r>
+              <a:rPr lang="en-US" dirty="0">
+                <a:solidFill>
+                  <a:schemeClr val="tx1">
+                    <a:lumMod val="50000"/>
+                    <a:lumOff val="50000"/>
+                  </a:schemeClr>
+                </a:solidFill>
+                <a:cs typeface="Arial" panose="020B0604020202020204" pitchFamily="34" charset="0"/>
+              </a:rPr>
+              <a:t/>
+            </a:r>
             <a:br>
               <a:rPr lang="en-US" dirty="0">
                 <a:solidFill>
@@ -4826,7 +4850,7 @@
           <a:graphicData uri="http://schemas.openxmlformats.org/presentationml/2006/ole">
             <mc:AlternateContent xmlns:mc="http://schemas.openxmlformats.org/markup-compatibility/2006">
               <mc:Choice xmlns:v="urn:schemas-microsoft-com:vml" Requires="v">
-                <p:oleObj spid="_x0000_s92172" name="Equation" r:id="rId3" imgW="1346040" imgH="685800" progId="Equation.3">
+                <p:oleObj spid="_x0000_s92174" name="Equation" r:id="rId3" imgW="1346040" imgH="685800" progId="Equation.3">
                   <p:embed/>
                 </p:oleObj>
               </mc:Choice>
@@ -4887,7 +4911,7 @@
           <a:graphicData uri="http://schemas.openxmlformats.org/presentationml/2006/ole">
             <mc:AlternateContent xmlns:mc="http://schemas.openxmlformats.org/markup-compatibility/2006">
               <mc:Choice xmlns:v="urn:schemas-microsoft-com:vml" Requires="v">
-                <p:oleObj spid="_x0000_s92173" name="Equation" r:id="rId5" imgW="469800" imgH="215640" progId="Equation.3">
+                <p:oleObj spid="_x0000_s92175" name="Equation" r:id="rId5" imgW="469800" imgH="215640" progId="Equation.3">
                   <p:embed/>
                 </p:oleObj>
               </mc:Choice>
@@ -5390,7 +5414,7 @@
           <a:graphicData uri="http://schemas.openxmlformats.org/presentationml/2006/ole">
             <mc:AlternateContent xmlns:mc="http://schemas.openxmlformats.org/markup-compatibility/2006">
               <mc:Choice xmlns:v="urn:schemas-microsoft-com:vml" Requires="v">
-                <p:oleObj spid="_x0000_s93196" name="Equation" r:id="rId3" imgW="1346040" imgH="685800" progId="Equation.3">
+                <p:oleObj spid="_x0000_s93198" name="Equation" r:id="rId3" imgW="1346040" imgH="685800" progId="Equation.3">
                   <p:embed/>
                 </p:oleObj>
               </mc:Choice>
@@ -5451,7 +5475,7 @@
           <a:graphicData uri="http://schemas.openxmlformats.org/presentationml/2006/ole">
             <mc:AlternateContent xmlns:mc="http://schemas.openxmlformats.org/markup-compatibility/2006">
               <mc:Choice xmlns:v="urn:schemas-microsoft-com:vml" Requires="v">
-                <p:oleObj spid="_x0000_s93197" name="Equation" r:id="rId5" imgW="469800" imgH="215640" progId="Equation.3">
+                <p:oleObj spid="_x0000_s93199" name="Equation" r:id="rId5" imgW="469800" imgH="215640" progId="Equation.3">
                   <p:embed/>
                 </p:oleObj>
               </mc:Choice>
@@ -6515,7 +6539,7 @@
           <a:graphicData uri="http://schemas.openxmlformats.org/presentationml/2006/ole">
             <mc:AlternateContent xmlns:mc="http://schemas.openxmlformats.org/markup-compatibility/2006">
               <mc:Choice xmlns:v="urn:schemas-microsoft-com:vml" Requires="v">
-                <p:oleObj spid="_x0000_s73741" name="Equation" r:id="rId4" imgW="1841400" imgH="1320480" progId="Equation.3">
+                <p:oleObj spid="_x0000_s73742" name="Equation" r:id="rId4" imgW="1841400" imgH="1320480" progId="Equation.3">
                   <p:embed/>
                 </p:oleObj>
               </mc:Choice>
@@ -6737,7 +6761,7 @@
           <a:graphicData uri="http://schemas.openxmlformats.org/presentationml/2006/ole">
             <mc:AlternateContent xmlns:mc="http://schemas.openxmlformats.org/markup-compatibility/2006">
               <mc:Choice xmlns:v="urn:schemas-microsoft-com:vml" Requires="v">
-                <p:oleObj spid="_x0000_s74764" name="Equation" r:id="rId3" imgW="1511280" imgH="685800" progId="Equation.3">
+                <p:oleObj spid="_x0000_s74765" name="Equation" r:id="rId3" imgW="1511280" imgH="685800" progId="Equation.3">
                   <p:embed/>
                 </p:oleObj>
               </mc:Choice>
@@ -7707,7 +7731,7 @@
           <a:graphicData uri="http://schemas.openxmlformats.org/presentationml/2006/ole">
             <mc:AlternateContent xmlns:mc="http://schemas.openxmlformats.org/markup-compatibility/2006">
               <mc:Choice xmlns:v="urn:schemas-microsoft-com:vml" Requires="v">
-                <p:oleObj spid="_x0000_s75790" name="Equation" r:id="rId3" imgW="1600200" imgH="1143000" progId="Equation.3">
+                <p:oleObj spid="_x0000_s75791" name="Equation" r:id="rId3" imgW="1600200" imgH="1143000" progId="Equation.3">
                   <p:embed/>
                 </p:oleObj>
               </mc:Choice>
@@ -8435,7 +8459,7 @@
           <a:lstStyle/>
           <a:p>
             <a:r>
-              <a:rPr lang="el-GR" sz="1600" b="1" dirty="0">
+              <a:rPr lang="el-GR" sz="1600" b="1" dirty="0" smtClean="0">
                 <a:solidFill>
                   <a:schemeClr val="accent6">
                     <a:lumMod val="75000"/>
@@ -8452,8 +8476,25 @@
                   </a:schemeClr>
                 </a:solidFill>
               </a:rPr>
-              <a:t>2 </a:t>
-            </a:r>
+              <a:t>1</a:t>
+            </a:r>
+            <a:r>
+              <a:rPr lang="en-US" sz="1600" b="1" dirty="0" smtClean="0">
+                <a:solidFill>
+                  <a:schemeClr val="accent6">
+                    <a:lumMod val="75000"/>
+                  </a:schemeClr>
+                </a:solidFill>
+              </a:rPr>
+              <a:t> </a:t>
+            </a:r>
+            <a:endParaRPr lang="en-US" sz="1600" b="1" dirty="0">
+              <a:solidFill>
+                <a:schemeClr val="accent6">
+                  <a:lumMod val="75000"/>
+                </a:schemeClr>
+              </a:solidFill>
+            </a:endParaRPr>
           </a:p>
         </p:txBody>
       </p:sp>
@@ -9079,7 +9120,7 @@
           <a:graphicData uri="http://schemas.openxmlformats.org/presentationml/2006/ole">
             <mc:AlternateContent xmlns:mc="http://schemas.openxmlformats.org/markup-compatibility/2006">
               <mc:Choice xmlns:v="urn:schemas-microsoft-com:vml" Requires="v">
-                <p:oleObj spid="_x0000_s76822" name="Equation" r:id="rId3" imgW="838080" imgH="228600" progId="Equation.3">
+                <p:oleObj spid="_x0000_s76824" name="Equation" r:id="rId3" imgW="838080" imgH="228600" progId="Equation.3">
                   <p:embed/>
                 </p:oleObj>
               </mc:Choice>
@@ -9136,7 +9177,7 @@
           <a:graphicData uri="http://schemas.openxmlformats.org/presentationml/2006/ole">
             <mc:AlternateContent xmlns:mc="http://schemas.openxmlformats.org/markup-compatibility/2006">
               <mc:Choice xmlns:v="urn:schemas-microsoft-com:vml" Requires="v">
-                <p:oleObj spid="_x0000_s76823" name="Equation" r:id="rId5" imgW="838080" imgH="215640" progId="Equation.3">
+                <p:oleObj spid="_x0000_s76825" name="Equation" r:id="rId5" imgW="838080" imgH="215640" progId="Equation.3">
                   <p:embed/>
                 </p:oleObj>
               </mc:Choice>
@@ -9824,7 +9865,7 @@
           <a:graphicData uri="http://schemas.openxmlformats.org/presentationml/2006/ole">
             <mc:AlternateContent xmlns:mc="http://schemas.openxmlformats.org/markup-compatibility/2006">
               <mc:Choice xmlns:v="urn:schemas-microsoft-com:vml" Requires="v">
-                <p:oleObj spid="_x0000_s77836" name="Equation" r:id="rId3" imgW="2920680" imgH="3898800" progId="Equation.3">
+                <p:oleObj spid="_x0000_s77837" name="Equation" r:id="rId3" imgW="2920680" imgH="3898800" progId="Equation.3">
                   <p:embed/>
                 </p:oleObj>
               </mc:Choice>
@@ -10039,7 +10080,7 @@
           <a:graphicData uri="http://schemas.openxmlformats.org/presentationml/2006/ole">
             <mc:AlternateContent xmlns:mc="http://schemas.openxmlformats.org/markup-compatibility/2006">
               <mc:Choice xmlns:v="urn:schemas-microsoft-com:vml" Requires="v">
-                <p:oleObj spid="_x0000_s78885" name="Equation" r:id="rId4" imgW="2247900" imgH="2057400" progId="Equation.3">
+                <p:oleObj spid="_x0000_s78889" name="Equation" r:id="rId4" imgW="2247900" imgH="2057400" progId="Equation.3">
                   <p:embed/>
                 </p:oleObj>
               </mc:Choice>
@@ -10321,7 +10362,7 @@
           <a:graphicData uri="http://schemas.openxmlformats.org/presentationml/2006/ole">
             <mc:AlternateContent xmlns:mc="http://schemas.openxmlformats.org/markup-compatibility/2006">
               <mc:Choice xmlns:v="urn:schemas-microsoft-com:vml" Requires="v">
-                <p:oleObj spid="_x0000_s78886" name="Equation" r:id="rId6" imgW="1600200" imgH="228600" progId="Equation.3">
+                <p:oleObj spid="_x0000_s78890" name="Equation" r:id="rId6" imgW="1600200" imgH="228600" progId="Equation.3">
                   <p:embed/>
                 </p:oleObj>
               </mc:Choice>
@@ -10385,7 +10426,7 @@
           <a:graphicData uri="http://schemas.openxmlformats.org/presentationml/2006/ole">
             <mc:AlternateContent xmlns:mc="http://schemas.openxmlformats.org/markup-compatibility/2006">
               <mc:Choice xmlns:v="urn:schemas-microsoft-com:vml" Requires="v">
-                <p:oleObj spid="_x0000_s78887" name="Equation" r:id="rId8" imgW="1231560" imgH="228600" progId="Equation.3">
+                <p:oleObj spid="_x0000_s78891" name="Equation" r:id="rId8" imgW="1231560" imgH="228600" progId="Equation.3">
                   <p:embed/>
                 </p:oleObj>
               </mc:Choice>
@@ -10449,7 +10490,7 @@
           <a:graphicData uri="http://schemas.openxmlformats.org/presentationml/2006/ole">
             <mc:AlternateContent xmlns:mc="http://schemas.openxmlformats.org/markup-compatibility/2006">
               <mc:Choice xmlns:v="urn:schemas-microsoft-com:vml" Requires="v">
-                <p:oleObj spid="_x0000_s78888" name="Equation" r:id="rId10" imgW="1079280" imgH="228600" progId="Equation.3">
+                <p:oleObj spid="_x0000_s78892" name="Equation" r:id="rId10" imgW="1079280" imgH="228600" progId="Equation.3">
                   <p:embed/>
                 </p:oleObj>
               </mc:Choice>
@@ -11084,7 +11125,7 @@
           <a:graphicData uri="http://schemas.openxmlformats.org/presentationml/2006/ole">
             <mc:AlternateContent xmlns:mc="http://schemas.openxmlformats.org/markup-compatibility/2006">
               <mc:Choice xmlns:v="urn:schemas-microsoft-com:vml" Requires="v">
-                <p:oleObj spid="_x0000_s65556" name="Equation" r:id="rId3" imgW="3670300" imgH="228600" progId="Equation.3">
+                <p:oleObj spid="_x0000_s65558" name="Equation" r:id="rId3" imgW="3670300" imgH="228600" progId="Equation.3">
                   <p:embed/>
                 </p:oleObj>
               </mc:Choice>
@@ -11155,7 +11196,7 @@
           <a:graphicData uri="http://schemas.openxmlformats.org/presentationml/2006/ole">
             <mc:AlternateContent xmlns:mc="http://schemas.openxmlformats.org/markup-compatibility/2006">
               <mc:Choice xmlns:v="urn:schemas-microsoft-com:vml" Requires="v">
-                <p:oleObj spid="_x0000_s65557" name="Equation" r:id="rId5" imgW="3708360" imgH="228600" progId="Equation.3">
+                <p:oleObj spid="_x0000_s65559" name="Equation" r:id="rId5" imgW="3708360" imgH="228600" progId="Equation.3">
                   <p:embed/>
                 </p:oleObj>
               </mc:Choice>
@@ -11481,7 +11522,7 @@
           <a:graphicData uri="http://schemas.openxmlformats.org/presentationml/2006/ole">
             <mc:AlternateContent xmlns:mc="http://schemas.openxmlformats.org/markup-compatibility/2006">
               <mc:Choice xmlns:v="urn:schemas-microsoft-com:vml" Requires="v">
-                <p:oleObj spid="_x0000_s79892" name="Equation" r:id="rId3" imgW="1600200" imgH="2070000" progId="Equation.3">
+                <p:oleObj spid="_x0000_s79894" name="Equation" r:id="rId3" imgW="1600200" imgH="2070000" progId="Equation.3">
                   <p:embed/>
                 </p:oleObj>
               </mc:Choice>
@@ -11685,7 +11726,7 @@
           <a:graphicData uri="http://schemas.openxmlformats.org/presentationml/2006/ole">
             <mc:AlternateContent xmlns:mc="http://schemas.openxmlformats.org/markup-compatibility/2006">
               <mc:Choice xmlns:v="urn:schemas-microsoft-com:vml" Requires="v">
-                <p:oleObj spid="_x0000_s79893" name="Equation" r:id="rId5" imgW="1091880" imgH="419040" progId="Equation.3">
+                <p:oleObj spid="_x0000_s79895" name="Equation" r:id="rId5" imgW="1091880" imgH="419040" progId="Equation.3">
                   <p:embed/>
                 </p:oleObj>
               </mc:Choice>
@@ -11878,8 +11919,8 @@
           </a:p>
         </p:txBody>
       </p:sp>
-      <mc:AlternateContent xmlns:mc="http://schemas.openxmlformats.org/markup-compatibility/2006">
-        <mc:Choice xmlns:a14="http://schemas.microsoft.com/office/drawing/2010/main" Requires="a14">
+      <mc:AlternateContent xmlns:mc="http://schemas.openxmlformats.org/markup-compatibility/2006" xmlns:a14="http://schemas.microsoft.com/office/drawing/2010/main">
+        <mc:Choice Requires="a14">
           <p:sp>
             <p:nvSpPr>
               <p:cNvPr id="5" name="Object 4"/>
@@ -12002,6 +12043,15 @@
                     </m:oMath>
                   </m:oMathPara>
                 </a14:m>
+                <a:r>
+                  <a:rPr lang="en-US" i="1" dirty="0">
+                    <a:solidFill>
+                      <a:srgbClr val="000000"/>
+                    </a:solidFill>
+                    <a:latin typeface="Cambria Math" panose="02040503050406030204" pitchFamily="18" charset="0"/>
+                  </a:rPr>
+                  <a:t/>
+                </a:r>
                 <a:br>
                   <a:rPr lang="en-US" i="1" dirty="0">
                     <a:solidFill>
@@ -12010,6 +12060,15 @@
                     <a:latin typeface="Cambria Math" panose="02040503050406030204" pitchFamily="18" charset="0"/>
                   </a:rPr>
                 </a:br>
+                <a:r>
+                  <a:rPr lang="en-US" i="1" dirty="0">
+                    <a:solidFill>
+                      <a:srgbClr val="000000"/>
+                    </a:solidFill>
+                    <a:latin typeface="Cambria Math" panose="02040503050406030204" pitchFamily="18" charset="0"/>
+                  </a:rPr>
+                  <a:t/>
+                </a:r>
                 <a:br>
                   <a:rPr lang="en-US" i="1" dirty="0">
                     <a:solidFill>
@@ -12316,6 +12375,15 @@
                     </m:oMath>
                   </m:oMathPara>
                 </a14:m>
+                <a:r>
+                  <a:rPr lang="en-US" i="1" dirty="0">
+                    <a:solidFill>
+                      <a:srgbClr val="000000"/>
+                    </a:solidFill>
+                    <a:latin typeface="Cambria Math" panose="02040503050406030204" pitchFamily="18" charset="0"/>
+                  </a:rPr>
+                  <a:t/>
+                </a:r>
                 <a:br>
                   <a:rPr lang="en-US" i="1" dirty="0">
                     <a:solidFill>
@@ -12324,6 +12392,15 @@
                     <a:latin typeface="Cambria Math" panose="02040503050406030204" pitchFamily="18" charset="0"/>
                   </a:rPr>
                 </a:br>
+                <a:r>
+                  <a:rPr lang="en-US" i="1" dirty="0">
+                    <a:solidFill>
+                      <a:srgbClr val="000000"/>
+                    </a:solidFill>
+                    <a:latin typeface="Cambria Math" panose="02040503050406030204" pitchFamily="18" charset="0"/>
+                  </a:rPr>
+                  <a:t/>
+                </a:r>
                 <a:br>
                   <a:rPr lang="en-US" i="1" dirty="0">
                     <a:solidFill>
@@ -12332,6 +12409,15 @@
                     <a:latin typeface="Cambria Math" panose="02040503050406030204" pitchFamily="18" charset="0"/>
                   </a:rPr>
                 </a:br>
+                <a:r>
+                  <a:rPr lang="en-US" i="1" dirty="0">
+                    <a:solidFill>
+                      <a:srgbClr val="000000"/>
+                    </a:solidFill>
+                    <a:latin typeface="Cambria Math" panose="02040503050406030204" pitchFamily="18" charset="0"/>
+                  </a:rPr>
+                  <a:t/>
+                </a:r>
                 <a:br>
                   <a:rPr lang="en-US" i="1" dirty="0">
                     <a:solidFill>
@@ -12453,6 +12539,15 @@
               </a:p>
               <a:p>
                 <a:pPr/>
+                <a:r>
+                  <a:rPr lang="en-US" i="1" dirty="0">
+                    <a:solidFill>
+                      <a:srgbClr val="000000"/>
+                    </a:solidFill>
+                    <a:latin typeface="Cambria Math" panose="02040503050406030204" pitchFamily="18" charset="0"/>
+                  </a:rPr>
+                  <a:t/>
+                </a:r>
                 <a:br>
                   <a:rPr lang="en-US" i="1" dirty="0">
                     <a:solidFill>
@@ -12488,6 +12583,15 @@
               </a:p>
               <a:p>
                 <a:pPr/>
+                <a:r>
+                  <a:rPr lang="en-US" i="1" dirty="0">
+                    <a:solidFill>
+                      <a:srgbClr val="000000"/>
+                    </a:solidFill>
+                    <a:latin typeface="Cambria Math" panose="02040503050406030204" pitchFamily="18" charset="0"/>
+                  </a:rPr>
+                  <a:t/>
+                </a:r>
                 <a:br>
                   <a:rPr lang="en-US" i="1" dirty="0">
                     <a:solidFill>
@@ -12677,6 +12781,15 @@
               </a:p>
               <a:p>
                 <a:pPr/>
+                <a:r>
+                  <a:rPr lang="en-US" i="1" dirty="0">
+                    <a:solidFill>
+                      <a:srgbClr val="000000"/>
+                    </a:solidFill>
+                    <a:latin typeface="Cambria Math" panose="02040503050406030204" pitchFamily="18" charset="0"/>
+                  </a:rPr>
+                  <a:t/>
+                </a:r>
                 <a:br>
                   <a:rPr lang="en-US" i="1" dirty="0">
                     <a:solidFill>
@@ -12685,6 +12798,15 @@
                     <a:latin typeface="Cambria Math" panose="02040503050406030204" pitchFamily="18" charset="0"/>
                   </a:rPr>
                 </a:br>
+                <a:r>
+                  <a:rPr lang="en-US" i="1" dirty="0">
+                    <a:solidFill>
+                      <a:srgbClr val="000000"/>
+                    </a:solidFill>
+                    <a:latin typeface="Cambria Math" panose="02040503050406030204" pitchFamily="18" charset="0"/>
+                  </a:rPr>
+                  <a:t/>
+                </a:r>
                 <a:br>
                   <a:rPr lang="en-US" i="1" dirty="0">
                     <a:solidFill>
@@ -12870,7 +12992,7 @@
             </p:txBody>
           </p:sp>
         </mc:Choice>
-        <mc:Fallback>
+        <mc:Fallback xmlns="">
           <p:sp>
             <p:nvSpPr>
               <p:cNvPr id="5" name="Object 4"/>
@@ -13389,7 +13511,7 @@
           <a:graphicData uri="http://schemas.openxmlformats.org/presentationml/2006/ole">
             <mc:AlternateContent xmlns:mc="http://schemas.openxmlformats.org/markup-compatibility/2006">
               <mc:Choice xmlns:v="urn:schemas-microsoft-com:vml" Requires="v">
-                <p:oleObj spid="_x0000_s80954" name="Equation" r:id="rId4" imgW="139680" imgH="215640" progId="Equation.3">
+                <p:oleObj spid="_x0000_s80957" name="Equation" r:id="rId4" imgW="139680" imgH="215640" progId="Equation.3">
                   <p:embed/>
                 </p:oleObj>
               </mc:Choice>
@@ -13446,7 +13568,7 @@
           <a:graphicData uri="http://schemas.openxmlformats.org/presentationml/2006/ole">
             <mc:AlternateContent xmlns:mc="http://schemas.openxmlformats.org/markup-compatibility/2006">
               <mc:Choice xmlns:v="urn:schemas-microsoft-com:vml" Requires="v">
-                <p:oleObj spid="_x0000_s80955" name="Equation" r:id="rId6" imgW="177480" imgH="215640" progId="Equation.3">
+                <p:oleObj spid="_x0000_s80958" name="Equation" r:id="rId6" imgW="177480" imgH="215640" progId="Equation.3">
                   <p:embed/>
                 </p:oleObj>
               </mc:Choice>
@@ -13516,7 +13638,7 @@
           <a:graphicData uri="http://schemas.openxmlformats.org/presentationml/2006/ole">
             <mc:AlternateContent xmlns:mc="http://schemas.openxmlformats.org/markup-compatibility/2006">
               <mc:Choice xmlns:v="urn:schemas-microsoft-com:vml" Requires="v">
-                <p:oleObj spid="_x0000_s80956" name="Equation" r:id="rId8" imgW="177480" imgH="215640" progId="Equation.3">
+                <p:oleObj spid="_x0000_s80959" name="Equation" r:id="rId8" imgW="177480" imgH="215640" progId="Equation.3">
                   <p:embed/>
                 </p:oleObj>
               </mc:Choice>
@@ -14528,7 +14650,7 @@
           <a:graphicData uri="http://schemas.openxmlformats.org/presentationml/2006/ole">
             <mc:AlternateContent xmlns:mc="http://schemas.openxmlformats.org/markup-compatibility/2006">
               <mc:Choice xmlns:v="urn:schemas-microsoft-com:vml" Requires="v">
-                <p:oleObj spid="_x0000_s81935" name="Equation" r:id="rId4" imgW="1676400" imgH="914400" progId="Equation.3">
+                <p:oleObj spid="_x0000_s81936" name="Equation" r:id="rId4" imgW="1676400" imgH="914400" progId="Equation.3">
                   <p:embed/>
                 </p:oleObj>
               </mc:Choice>
@@ -14626,7 +14748,7 @@
           <a:graphicData uri="http://schemas.openxmlformats.org/presentationml/2006/ole">
             <mc:AlternateContent xmlns:mc="http://schemas.openxmlformats.org/markup-compatibility/2006">
               <mc:Choice xmlns:v="urn:schemas-microsoft-com:vml" Requires="v">
-                <p:oleObj spid="_x0000_s83001" name="Equation" r:id="rId3" imgW="710891" imgH="215806" progId="Equation.3">
+                <p:oleObj spid="_x0000_s83006" name="Equation" r:id="rId3" imgW="710891" imgH="215806" progId="Equation.3">
                   <p:embed/>
                 </p:oleObj>
               </mc:Choice>
@@ -14968,7 +15090,7 @@
             <a:graphicData uri="http://schemas.openxmlformats.org/presentationml/2006/ole">
               <mc:AlternateContent xmlns:mc="http://schemas.openxmlformats.org/markup-compatibility/2006">
                 <mc:Choice xmlns:v="urn:schemas-microsoft-com:vml" Requires="v">
-                  <p:oleObj spid="_x0000_s83002" name="Equation" r:id="rId5" imgW="177569" imgH="215619" progId="Equation.3">
+                  <p:oleObj spid="_x0000_s83007" name="Equation" r:id="rId5" imgW="177569" imgH="215619" progId="Equation.3">
                     <p:embed/>
                   </p:oleObj>
                 </mc:Choice>
@@ -15061,7 +15183,7 @@
             <a:graphicData uri="http://schemas.openxmlformats.org/presentationml/2006/ole">
               <mc:AlternateContent xmlns:mc="http://schemas.openxmlformats.org/markup-compatibility/2006">
                 <mc:Choice xmlns:v="urn:schemas-microsoft-com:vml" Requires="v">
-                  <p:oleObj spid="_x0000_s83003" name="Equation" r:id="rId7" imgW="177569" imgH="215619" progId="Equation.3">
+                  <p:oleObj spid="_x0000_s83008" name="Equation" r:id="rId7" imgW="177569" imgH="215619" progId="Equation.3">
                     <p:embed/>
                   </p:oleObj>
                 </mc:Choice>
@@ -15154,7 +15276,7 @@
             <a:graphicData uri="http://schemas.openxmlformats.org/presentationml/2006/ole">
               <mc:AlternateContent xmlns:mc="http://schemas.openxmlformats.org/markup-compatibility/2006">
                 <mc:Choice xmlns:v="urn:schemas-microsoft-com:vml" Requires="v">
-                  <p:oleObj spid="_x0000_s83004" name="Equation" r:id="rId9" imgW="190335" imgH="215713" progId="Equation.3">
+                  <p:oleObj spid="_x0000_s83009" name="Equation" r:id="rId9" imgW="190335" imgH="215713" progId="Equation.3">
                     <p:embed/>
                   </p:oleObj>
                 </mc:Choice>
@@ -15630,7 +15752,7 @@
           <a:graphicData uri="http://schemas.openxmlformats.org/presentationml/2006/ole">
             <mc:AlternateContent xmlns:mc="http://schemas.openxmlformats.org/markup-compatibility/2006">
               <mc:Choice xmlns:v="urn:schemas-microsoft-com:vml" Requires="v">
-                <p:oleObj spid="_x0000_s83005" name="Equation" r:id="rId11" imgW="1676400" imgH="914400" progId="Equation.3">
+                <p:oleObj spid="_x0000_s83010" name="Equation" r:id="rId11" imgW="1676400" imgH="914400" progId="Equation.3">
                   <p:embed/>
                 </p:oleObj>
               </mc:Choice>
@@ -16524,7 +16646,7 @@
           <a:graphicData uri="http://schemas.openxmlformats.org/presentationml/2006/ole">
             <mc:AlternateContent xmlns:mc="http://schemas.openxmlformats.org/markup-compatibility/2006">
               <mc:Choice xmlns:v="urn:schemas-microsoft-com:vml" Requires="v">
-                <p:oleObj spid="_x0000_s83981" name="Equation" r:id="rId4" imgW="1206500" imgH="685800" progId="Equation.3">
+                <p:oleObj spid="_x0000_s83982" name="Equation" r:id="rId4" imgW="1206500" imgH="685800" progId="Equation.3">
                   <p:embed/>
                 </p:oleObj>
               </mc:Choice>
@@ -16741,7 +16863,7 @@
           <a:graphicData uri="http://schemas.openxmlformats.org/presentationml/2006/ole">
             <mc:AlternateContent xmlns:mc="http://schemas.openxmlformats.org/markup-compatibility/2006">
               <mc:Choice xmlns:v="urn:schemas-microsoft-com:vml" Requires="v">
-                <p:oleObj spid="_x0000_s85044" name="Equation" r:id="rId3" imgW="1041400" imgH="457200" progId="Equation.3">
+                <p:oleObj spid="_x0000_s85049" name="Equation" r:id="rId3" imgW="1041400" imgH="457200" progId="Equation.3">
                   <p:embed/>
                 </p:oleObj>
               </mc:Choice>
@@ -17040,7 +17162,7 @@
             <a:graphicData uri="http://schemas.openxmlformats.org/presentationml/2006/ole">
               <mc:AlternateContent xmlns:mc="http://schemas.openxmlformats.org/markup-compatibility/2006">
                 <mc:Choice xmlns:v="urn:schemas-microsoft-com:vml" Requires="v">
-                  <p:oleObj spid="_x0000_s85045" name="Equation" r:id="rId5" imgW="177569" imgH="215619" progId="Equation.3">
+                  <p:oleObj spid="_x0000_s85050" name="Equation" r:id="rId5" imgW="177569" imgH="215619" progId="Equation.3">
                     <p:embed/>
                   </p:oleObj>
                 </mc:Choice>
@@ -17133,7 +17255,7 @@
             <a:graphicData uri="http://schemas.openxmlformats.org/presentationml/2006/ole">
               <mc:AlternateContent xmlns:mc="http://schemas.openxmlformats.org/markup-compatibility/2006">
                 <mc:Choice xmlns:v="urn:schemas-microsoft-com:vml" Requires="v">
-                  <p:oleObj spid="_x0000_s85046" name="Equation" r:id="rId7" imgW="418918" imgH="215806" progId="Equation.3">
+                  <p:oleObj spid="_x0000_s85051" name="Equation" r:id="rId7" imgW="418918" imgH="215806" progId="Equation.3">
                     <p:embed/>
                   </p:oleObj>
                 </mc:Choice>
@@ -17226,7 +17348,7 @@
             <a:graphicData uri="http://schemas.openxmlformats.org/presentationml/2006/ole">
               <mc:AlternateContent xmlns:mc="http://schemas.openxmlformats.org/markup-compatibility/2006">
                 <mc:Choice xmlns:v="urn:schemas-microsoft-com:vml" Requires="v">
-                  <p:oleObj spid="_x0000_s85047" name="Equation" r:id="rId9" imgW="190335" imgH="215713" progId="Equation.3">
+                  <p:oleObj spid="_x0000_s85052" name="Equation" r:id="rId9" imgW="190335" imgH="215713" progId="Equation.3">
                     <p:embed/>
                   </p:oleObj>
                 </mc:Choice>
@@ -17661,7 +17783,7 @@
           <a:graphicData uri="http://schemas.openxmlformats.org/presentationml/2006/ole">
             <mc:AlternateContent xmlns:mc="http://schemas.openxmlformats.org/markup-compatibility/2006">
               <mc:Choice xmlns:v="urn:schemas-microsoft-com:vml" Requires="v">
-                <p:oleObj spid="_x0000_s85048" name="Equation" r:id="rId11" imgW="1206500" imgH="685800" progId="Equation.3">
+                <p:oleObj spid="_x0000_s85053" name="Equation" r:id="rId11" imgW="1206500" imgH="685800" progId="Equation.3">
                   <p:embed/>
                 </p:oleObj>
               </mc:Choice>
@@ -18034,7 +18156,7 @@
           <a:graphicData uri="http://schemas.openxmlformats.org/presentationml/2006/ole">
             <mc:AlternateContent xmlns:mc="http://schemas.openxmlformats.org/markup-compatibility/2006">
               <mc:Choice xmlns:v="urn:schemas-microsoft-com:vml" Requires="v">
-                <p:oleObj spid="_x0000_s66580" name="Equation" r:id="rId3" imgW="1346040" imgH="685800" progId="Equation.3">
+                <p:oleObj spid="_x0000_s66582" name="Equation" r:id="rId3" imgW="1346040" imgH="685800" progId="Equation.3">
                   <p:embed/>
                 </p:oleObj>
               </mc:Choice>
@@ -18099,7 +18221,7 @@
           <a:graphicData uri="http://schemas.openxmlformats.org/presentationml/2006/ole">
             <mc:AlternateContent xmlns:mc="http://schemas.openxmlformats.org/markup-compatibility/2006">
               <mc:Choice xmlns:v="urn:schemas-microsoft-com:vml" Requires="v">
-                <p:oleObj spid="_x0000_s66581" name="Equation" r:id="rId5" imgW="698400" imgH="215640" progId="Equation.3">
+                <p:oleObj spid="_x0000_s66583" name="Equation" r:id="rId5" imgW="698400" imgH="215640" progId="Equation.3">
                   <p:embed/>
                 </p:oleObj>
               </mc:Choice>
@@ -19354,7 +19476,7 @@
           <a:graphicData uri="http://schemas.openxmlformats.org/presentationml/2006/ole">
             <mc:AlternateContent xmlns:mc="http://schemas.openxmlformats.org/markup-compatibility/2006">
               <mc:Choice xmlns:v="urn:schemas-microsoft-com:vml" Requires="v">
-                <p:oleObj spid="_x0000_s67604" name="Equation" r:id="rId3" imgW="914400" imgH="228600" progId="Equation.3">
+                <p:oleObj spid="_x0000_s67606" name="Equation" r:id="rId3" imgW="914400" imgH="228600" progId="Equation.3">
                   <p:embed/>
                 </p:oleObj>
               </mc:Choice>
@@ -19437,7 +19559,7 @@
           <a:graphicData uri="http://schemas.openxmlformats.org/presentationml/2006/ole">
             <mc:AlternateContent xmlns:mc="http://schemas.openxmlformats.org/markup-compatibility/2006">
               <mc:Choice xmlns:v="urn:schemas-microsoft-com:vml" Requires="v">
-                <p:oleObj spid="_x0000_s67605" name="Equation" r:id="rId5" imgW="1993680" imgH="228600" progId="Equation.3">
+                <p:oleObj spid="_x0000_s67607" name="Equation" r:id="rId5" imgW="1993680" imgH="228600" progId="Equation.3">
                   <p:embed/>
                 </p:oleObj>
               </mc:Choice>
@@ -19625,7 +19747,7 @@
           <a:graphicData uri="http://schemas.openxmlformats.org/presentationml/2006/ole">
             <mc:AlternateContent xmlns:mc="http://schemas.openxmlformats.org/markup-compatibility/2006">
               <mc:Choice xmlns:v="urn:schemas-microsoft-com:vml" Requires="v">
-                <p:oleObj spid="_x0000_s68619" name="Equation" r:id="rId3" imgW="1663560" imgH="1104840" progId="Equation.3">
+                <p:oleObj spid="_x0000_s68620" name="Equation" r:id="rId3" imgW="1663560" imgH="1104840" progId="Equation.3">
                   <p:embed/>
                 </p:oleObj>
               </mc:Choice>
@@ -20378,7 +20500,7 @@
           <a:graphicData uri="http://schemas.openxmlformats.org/presentationml/2006/ole">
             <mc:AlternateContent xmlns:mc="http://schemas.openxmlformats.org/markup-compatibility/2006">
               <mc:Choice xmlns:v="urn:schemas-microsoft-com:vml" Requires="v">
-                <p:oleObj spid="_x0000_s69643" name="Equation" r:id="rId3" imgW="1422360" imgH="1041120" progId="Equation.3">
+                <p:oleObj spid="_x0000_s69644" name="Equation" r:id="rId3" imgW="1422360" imgH="1041120" progId="Equation.3">
                   <p:embed/>
                 </p:oleObj>
               </mc:Choice>
@@ -21067,7 +21189,7 @@
           <a:graphicData uri="http://schemas.openxmlformats.org/presentationml/2006/ole">
             <mc:AlternateContent xmlns:mc="http://schemas.openxmlformats.org/markup-compatibility/2006">
               <mc:Choice xmlns:v="urn:schemas-microsoft-com:vml" Requires="v">
-                <p:oleObj spid="_x0000_s70667" name="Equation" r:id="rId3" imgW="1346040" imgH="1041120" progId="Equation.3">
+                <p:oleObj spid="_x0000_s70668" name="Equation" r:id="rId3" imgW="1346040" imgH="1041120" progId="Equation.3">
                   <p:embed/>
                 </p:oleObj>
               </mc:Choice>
